--- a/ietf-119-hackathon-SAVA-Anti-DDoS.pptx
+++ b/ietf-119-hackathon-SAVA-Anti-DDoS.pptx
@@ -124,6 +124,200 @@
 <p188:authorLst xmlns:a="http://schemas.openxmlformats.org/drawingml/2006/main" xmlns:r="http://schemas.openxmlformats.org/officeDocument/2006/relationships" xmlns:p188="http://schemas.microsoft.com/office/powerpoint/2018/8/main">
   <p188:author id="{F16D4ADE-4B23-5E78-785B-F669CA9BB330}" name="t44" initials="t" userId="S::t44@xxsvip.top::9321fa72-bc5d-48ca-aa02-39c913937b68" providerId="AD"/>
 </p188:authorLst>
+</file>
+
+<file path=ppt/commentAuthors.xml><?xml version="1.0" encoding="utf-8"?>
+<p:cmAuthorLst xmlns:a="http://schemas.openxmlformats.org/drawingml/2006/main" xmlns:r="http://schemas.openxmlformats.org/officeDocument/2006/relationships" xmlns:p="http://schemas.openxmlformats.org/presentationml/2006/main">
+  <p:cmAuthor id="1" name="Shuisong HU" initials="SH" lastIdx="19" clrIdx="0">
+    <p:extLst>
+      <p:ext uri="{19B8F6BF-5375-455C-9EA6-DF929625EA0E}">
+        <p15:presenceInfo xmlns:p15="http://schemas.microsoft.com/office/powerpoint/2012/main" userId="fd6a88d171a869d9" providerId="Windows Live"/>
+      </p:ext>
+    </p:extLst>
+  </p:cmAuthor>
+</p:cmAuthorLst>
+</file>
+
+<file path=ppt/comments/comment1.xml><?xml version="1.0" encoding="utf-8"?>
+<p:cmLst xmlns:a="http://schemas.openxmlformats.org/drawingml/2006/main" xmlns:r="http://schemas.openxmlformats.org/officeDocument/2006/relationships" xmlns:p="http://schemas.openxmlformats.org/presentationml/2006/main">
+  <p:cm authorId="1" dt="2024-03-17T10:03:15.314" idx="1">
+    <p:pos x="10" y="10"/>
+    <p:text>SAVNET</p:text>
+    <p:extLst>
+      <p:ext uri="{C676402C-5697-4E1C-873F-D02D1690AC5C}">
+        <p15:threadingInfo xmlns:p15="http://schemas.microsoft.com/office/powerpoint/2012/main" timeZoneBias="-480"/>
+      </p:ext>
+    </p:extLst>
+  </p:cm>
+  <p:cm authorId="1" dt="2024-03-17T10:03:22.170" idx="2">
+    <p:pos x="146" y="146"/>
+    <p:text>字体</p:text>
+    <p:extLst>
+      <p:ext uri="{C676402C-5697-4E1C-873F-D02D1690AC5C}">
+        <p15:threadingInfo xmlns:p15="http://schemas.microsoft.com/office/powerpoint/2012/main" timeZoneBias="-480"/>
+      </p:ext>
+    </p:extLst>
+  </p:cm>
+  <p:cm authorId="1" dt="2024-03-17T10:03:32.691" idx="3">
+    <p:pos x="282" y="282"/>
+    <p:text>Running Code</p:text>
+    <p:extLst>
+      <p:ext uri="{C676402C-5697-4E1C-873F-D02D1690AC5C}">
+        <p15:threadingInfo xmlns:p15="http://schemas.microsoft.com/office/powerpoint/2012/main" timeZoneBias="-480"/>
+      </p:ext>
+    </p:extLst>
+  </p:cm>
+  <p:cm authorId="1" dt="2024-03-17T10:03:43.738" idx="4">
+    <p:pos x="418" y="418"/>
+    <p:text>加页码</p:text>
+    <p:extLst>
+      <p:ext uri="{C676402C-5697-4E1C-873F-D02D1690AC5C}">
+        <p15:threadingInfo xmlns:p15="http://schemas.microsoft.com/office/powerpoint/2012/main" timeZoneBias="-480"/>
+      </p:ext>
+    </p:extLst>
+  </p:cm>
+  <p:cm authorId="1" dt="2024-03-17T10:04:07.307" idx="5">
+    <p:pos x="554" y="554"/>
+    <p:text/>
+    <p:extLst>
+      <p:ext uri="{C676402C-5697-4E1C-873F-D02D1690AC5C}">
+        <p15:threadingInfo xmlns:p15="http://schemas.microsoft.com/office/powerpoint/2012/main" timeZoneBias="-480"/>
+      </p:ext>
+    </p:extLst>
+  </p:cm>
+</p:cmLst>
+</file>
+
+<file path=ppt/comments/comment2.xml><?xml version="1.0" encoding="utf-8"?>
+<p:cmLst xmlns:a="http://schemas.openxmlformats.org/drawingml/2006/main" xmlns:r="http://schemas.openxmlformats.org/officeDocument/2006/relationships" xmlns:p="http://schemas.openxmlformats.org/presentationml/2006/main">
+  <p:cm authorId="1" dt="2024-03-17T10:04:20.262" idx="6">
+    <p:pos x="10" y="10"/>
+    <p:text>字放大</p:text>
+    <p:extLst>
+      <p:ext uri="{C676402C-5697-4E1C-873F-D02D1690AC5C}">
+        <p15:threadingInfo xmlns:p15="http://schemas.microsoft.com/office/powerpoint/2012/main" timeZoneBias="-480"/>
+      </p:ext>
+    </p:extLst>
+  </p:cm>
+  <p:cm authorId="1" dt="2024-03-17T10:04:39.899" idx="7">
+    <p:pos x="146" y="146"/>
+    <p:text>大四号</p:text>
+    <p:extLst>
+      <p:ext uri="{C676402C-5697-4E1C-873F-D02D1690AC5C}">
+        <p15:threadingInfo xmlns:p15="http://schemas.microsoft.com/office/powerpoint/2012/main" timeZoneBias="-480"/>
+      </p:ext>
+    </p:extLst>
+  </p:cm>
+  <p:cm authorId="1" dt="2024-03-17T10:04:51.243" idx="8">
+    <p:pos x="282" y="282"/>
+    <p:text>放大过后的攻击流量</p:text>
+    <p:extLst>
+      <p:ext uri="{C676402C-5697-4E1C-873F-D02D1690AC5C}">
+        <p15:threadingInfo xmlns:p15="http://schemas.microsoft.com/office/powerpoint/2012/main" timeZoneBias="-480"/>
+      </p:ext>
+    </p:extLst>
+  </p:cm>
+</p:cmLst>
+</file>
+
+<file path=ppt/comments/comment3.xml><?xml version="1.0" encoding="utf-8"?>
+<p:cmLst xmlns:a="http://schemas.openxmlformats.org/drawingml/2006/main" xmlns:r="http://schemas.openxmlformats.org/officeDocument/2006/relationships" xmlns:p="http://schemas.openxmlformats.org/presentationml/2006/main">
+  <p:cm authorId="1" dt="2024-03-17T10:05:16.979" idx="9">
+    <p:pos x="10" y="10"/>
+    <p:text>图标说明</p:text>
+    <p:extLst>
+      <p:ext uri="{C676402C-5697-4E1C-873F-D02D1690AC5C}">
+        <p15:threadingInfo xmlns:p15="http://schemas.microsoft.com/office/powerpoint/2012/main" timeZoneBias="-480"/>
+      </p:ext>
+    </p:extLst>
+  </p:cm>
+  <p:cm authorId="1" dt="2024-03-17T10:05:28.988" idx="10">
+    <p:pos x="146" y="146"/>
+    <p:text>四个阶段</p:text>
+    <p:extLst>
+      <p:ext uri="{C676402C-5697-4E1C-873F-D02D1690AC5C}">
+        <p15:threadingInfo xmlns:p15="http://schemas.microsoft.com/office/powerpoint/2012/main" timeZoneBias="-480"/>
+      </p:ext>
+    </p:extLst>
+  </p:cm>
+  <p:cm authorId="1" dt="2024-03-17T10:05:38.530" idx="11">
+    <p:pos x="282" y="282"/>
+    <p:text>1、2、3、4阻断说明</p:text>
+    <p:extLst>
+      <p:ext uri="{C676402C-5697-4E1C-873F-D02D1690AC5C}">
+        <p15:threadingInfo xmlns:p15="http://schemas.microsoft.com/office/powerpoint/2012/main" timeZoneBias="-480"/>
+      </p:ext>
+    </p:extLst>
+  </p:cm>
+  <p:cm authorId="1" dt="2024-03-17T10:06:09.913" idx="12">
+    <p:pos x="418" y="418"/>
+    <p:text>明确图片，足够的大</p:text>
+    <p:extLst>
+      <p:ext uri="{C676402C-5697-4E1C-873F-D02D1690AC5C}">
+        <p15:threadingInfo xmlns:p15="http://schemas.microsoft.com/office/powerpoint/2012/main" timeZoneBias="-480"/>
+      </p:ext>
+    </p:extLst>
+  </p:cm>
+  <p:cm authorId="1" dt="2024-03-17T10:06:52.185" idx="13">
+    <p:pos x="554" y="554"/>
+    <p:text>攻击源</p:text>
+    <p:extLst>
+      <p:ext uri="{C676402C-5697-4E1C-873F-D02D1690AC5C}">
+        <p15:threadingInfo xmlns:p15="http://schemas.microsoft.com/office/powerpoint/2012/main" timeZoneBias="-480"/>
+      </p:ext>
+    </p:extLst>
+  </p:cm>
+  <p:cm authorId="1" dt="2024-03-17T10:19:16.071" idx="18">
+    <p:pos x="7410" y="898"/>
+    <p:text/>
+    <p:extLst>
+      <p:ext uri="{C676402C-5697-4E1C-873F-D02D1690AC5C}">
+        <p15:threadingInfo xmlns:p15="http://schemas.microsoft.com/office/powerpoint/2012/main" timeZoneBias="-480"/>
+      </p:ext>
+    </p:extLst>
+  </p:cm>
+  <p:cm authorId="1" dt="2024-03-17T10:21:29.829" idx="19">
+    <p:pos x="690" y="690"/>
+    <p:text/>
+    <p:extLst>
+      <p:ext uri="{C676402C-5697-4E1C-873F-D02D1690AC5C}">
+        <p15:threadingInfo xmlns:p15="http://schemas.microsoft.com/office/powerpoint/2012/main" timeZoneBias="-480"/>
+      </p:ext>
+    </p:extLst>
+  </p:cm>
+</p:cmLst>
+</file>
+
+<file path=ppt/comments/comment4.xml><?xml version="1.0" encoding="utf-8"?>
+<p:cmLst xmlns:a="http://schemas.openxmlformats.org/drawingml/2006/main" xmlns:r="http://schemas.openxmlformats.org/officeDocument/2006/relationships" xmlns:p="http://schemas.openxmlformats.org/presentationml/2006/main">
+  <p:cm authorId="1" dt="2024-03-17T10:08:13.611" idx="15">
+    <p:pos x="10" y="10"/>
+    <p:text>下一步要说明什么情况呢？需要向他们说明什么呢？</p:text>
+    <p:extLst>
+      <p:ext uri="{C676402C-5697-4E1C-873F-D02D1690AC5C}">
+        <p15:threadingInfo xmlns:p15="http://schemas.microsoft.com/office/powerpoint/2012/main" timeZoneBias="-480"/>
+      </p:ext>
+    </p:extLst>
+  </p:cm>
+  <p:cm authorId="1" dt="2024-03-17T10:08:31.945" idx="16">
+    <p:pos x="146" y="146"/>
+    <p:text>目标是什么呢？</p:text>
+    <p:extLst>
+      <p:ext uri="{C676402C-5697-4E1C-873F-D02D1690AC5C}">
+        <p15:threadingInfo xmlns:p15="http://schemas.microsoft.com/office/powerpoint/2012/main" timeZoneBias="-480"/>
+      </p:ext>
+    </p:extLst>
+  </p:cm>
+  <p:cm authorId="1" dt="2024-03-17T10:09:03.587" idx="17">
+    <p:pos x="282" y="282"/>
+    <p:text>如何在运营商部署，如何制作相应的标准</p:text>
+    <p:extLst>
+      <p:ext uri="{C676402C-5697-4E1C-873F-D02D1690AC5C}">
+        <p15:threadingInfo xmlns:p15="http://schemas.microsoft.com/office/powerpoint/2012/main" timeZoneBias="-480"/>
+      </p:ext>
+    </p:extLst>
+  </p:cm>
+</p:cmLst>
 </file>
 
 <file path=ppt/notesMasters/notesMaster1.xml><?xml version="1.0" encoding="utf-8"?>
@@ -9444,7 +9638,7 @@
         <p:spPr>
           <a:xfrm>
             <a:off x="1141281" y="1297866"/>
-            <a:ext cx="9989648" cy="923330"/>
+            <a:ext cx="9989648" cy="1631216"/>
           </a:xfrm>
           <a:prstGeom prst="rect">
             <a:avLst/>
@@ -9462,13 +9656,18 @@
               <a:buChar char="l"/>
             </a:pPr>
             <a:r>
-              <a:rPr lang="en-US" altLang="zh-CN" dirty="0">
+              <a:rPr lang="en-US" altLang="zh-CN" sz="2800" dirty="0">
                 <a:latin typeface="Calibri" panose="020F0502020204030204" pitchFamily="34" charset="0"/>
                 <a:ea typeface="Roboto" panose="02000000000000000000" pitchFamily="2" charset="0"/>
                 <a:cs typeface="Calibri" panose="020F0502020204030204" pitchFamily="34" charset="0"/>
               </a:rPr>
               <a:t>Relevant Draft</a:t>
             </a:r>
+            <a:endParaRPr lang="en-US" altLang="zh-CN" sz="2400" dirty="0">
+              <a:latin typeface="Calibri" panose="020F0502020204030204" pitchFamily="34" charset="0"/>
+              <a:ea typeface="Roboto" panose="02000000000000000000" pitchFamily="2" charset="0"/>
+              <a:cs typeface="Calibri" panose="020F0502020204030204" pitchFamily="34" charset="0"/>
+            </a:endParaRPr>
           </a:p>
           <a:p>
             <a:pPr marL="742950" lvl="1" indent="-285750">
@@ -9476,7 +9675,7 @@
               <a:buChar char="•"/>
             </a:pPr>
             <a:r>
-              <a:rPr lang="en-US" altLang="zh-CN" dirty="0">
+              <a:rPr lang="en-US" altLang="zh-CN" sz="2400" dirty="0">
                 <a:latin typeface="Calibri" panose="020F0502020204030204" pitchFamily="34" charset="0"/>
                 <a:ea typeface="Roboto" panose="02000000000000000000" pitchFamily="2" charset="0"/>
                 <a:cs typeface="Calibri" panose="020F0502020204030204" pitchFamily="34" charset="0"/>
@@ -9487,7 +9686,7 @@
           <a:p>
             <a:pPr lvl="2"/>
             <a:r>
-              <a:rPr lang="en-US" altLang="zh-CN" dirty="0">
+              <a:rPr lang="en-US" altLang="zh-CN" sz="2400" dirty="0">
                 <a:latin typeface="Calibri" panose="020F0502020204030204" pitchFamily="34" charset="0"/>
                 <a:ea typeface="Roboto" panose="02000000000000000000" pitchFamily="2" charset="0"/>
                 <a:cs typeface="Calibri" panose="020F0502020204030204" pitchFamily="34" charset="0"/>
@@ -9495,7 +9694,7 @@
               <a:t>—  </a:t>
             </a:r>
             <a:r>
-              <a:rPr lang="en-US" altLang="zh-CN" dirty="0">
+              <a:rPr lang="en-US" altLang="zh-CN" sz="2400" dirty="0">
                 <a:latin typeface="Calibri" panose="020F0502020204030204" pitchFamily="34" charset="0"/>
                 <a:ea typeface="Roboto" panose="02000000000000000000" pitchFamily="2" charset="0"/>
                 <a:cs typeface="Calibri" panose="020F0502020204030204" pitchFamily="34" charset="0"/>
@@ -9503,7 +9702,7 @@
               </a:rPr>
               <a:t>draft-cui-savnet-anti-ddos-03 - SAV-based Anti-DDoS Architecture (ietf.org)</a:t>
             </a:r>
-            <a:endParaRPr lang="zh-CN" altLang="en-US" dirty="0">
+            <a:endParaRPr lang="zh-CN" altLang="en-US" sz="2400" dirty="0">
               <a:latin typeface="Calibri" panose="020F0502020204030204" pitchFamily="34" charset="0"/>
               <a:cs typeface="Calibri" panose="020F0502020204030204" pitchFamily="34" charset="0"/>
             </a:endParaRPr>
@@ -9524,8 +9723,8 @@
         </p:nvSpPr>
         <p:spPr>
           <a:xfrm>
-            <a:off x="1141281" y="2385292"/>
-            <a:ext cx="9989648" cy="2862322"/>
+            <a:off x="1141281" y="3236858"/>
+            <a:ext cx="9989648" cy="2000548"/>
           </a:xfrm>
           <a:prstGeom prst="rect">
             <a:avLst/>
@@ -9543,12 +9742,12 @@
               <a:buChar char="l"/>
             </a:pPr>
             <a:r>
-              <a:rPr lang="en-US" altLang="zh-CN" dirty="0">
+              <a:rPr lang="en-US" altLang="zh-CN" sz="2800" dirty="0">
                 <a:latin typeface="Calibri" panose="020F0502020204030204" pitchFamily="34" charset="0"/>
                 <a:ea typeface="Roboto" panose="02000000000000000000" pitchFamily="2" charset="0"/>
                 <a:cs typeface="Calibri" panose="020F0502020204030204" pitchFamily="34" charset="0"/>
               </a:rPr>
-              <a:t>Simulation</a:t>
+              <a:t>Running Code</a:t>
             </a:r>
           </a:p>
           <a:p>
@@ -9557,7 +9756,7 @@
               <a:buChar char="•"/>
             </a:pPr>
             <a:r>
-              <a:rPr lang="en-US" altLang="zh-CN" dirty="0">
+              <a:rPr lang="en-US" altLang="zh-CN" sz="2400" dirty="0">
                 <a:latin typeface="Calibri" panose="020F0502020204030204" pitchFamily="34" charset="0"/>
                 <a:ea typeface="Roboto" panose="02000000000000000000" pitchFamily="2" charset="0"/>
                 <a:cs typeface="Calibri" panose="020F0502020204030204" pitchFamily="34" charset="0"/>
@@ -9570,19 +9769,8 @@
               <a:buFont typeface="Arial" panose="020B0604020202020204" pitchFamily="34" charset="0"/>
               <a:buChar char="•"/>
             </a:pPr>
-            <a:endParaRPr lang="en-US" altLang="zh-CN" dirty="0">
-              <a:latin typeface="Calibri" panose="020F0502020204030204" pitchFamily="34" charset="0"/>
-              <a:ea typeface="Roboto" panose="02000000000000000000" pitchFamily="2" charset="0"/>
-              <a:cs typeface="Calibri" panose="020F0502020204030204" pitchFamily="34" charset="0"/>
-            </a:endParaRPr>
-          </a:p>
-          <a:p>
-            <a:pPr marL="742950" lvl="1" indent="-285750">
-              <a:buFont typeface="Arial" panose="020B0604020202020204" pitchFamily="34" charset="0"/>
-              <a:buChar char="•"/>
-            </a:pPr>
-            <a:r>
-              <a:rPr lang="en-US" altLang="zh-CN" dirty="0">
+            <a:r>
+              <a:rPr lang="en-US" altLang="zh-CN" sz="2400" dirty="0">
                 <a:latin typeface="Calibri" panose="020F0502020204030204" pitchFamily="34" charset="0"/>
                 <a:ea typeface="Roboto" panose="02000000000000000000" pitchFamily="2" charset="0"/>
                 <a:cs typeface="Calibri" panose="020F0502020204030204" pitchFamily="34" charset="0"/>
@@ -9591,20 +9779,12 @@
             </a:r>
           </a:p>
           <a:p>
-            <a:pPr lvl="1"/>
-            <a:endParaRPr lang="en-US" altLang="zh-CN" dirty="0">
-              <a:latin typeface="Calibri" panose="020F0502020204030204" pitchFamily="34" charset="0"/>
-              <a:ea typeface="Roboto" panose="02000000000000000000" pitchFamily="2" charset="0"/>
-              <a:cs typeface="Calibri" panose="020F0502020204030204" pitchFamily="34" charset="0"/>
-            </a:endParaRPr>
-          </a:p>
-          <a:p>
             <a:pPr marL="742950" lvl="1" indent="-285750">
               <a:buFont typeface="Arial" panose="020B0604020202020204" pitchFamily="34" charset="0"/>
               <a:buChar char="•"/>
             </a:pPr>
             <a:r>
-              <a:rPr lang="en-US" altLang="zh-CN" b="0" i="0" dirty="0">
+              <a:rPr lang="en-US" altLang="zh-CN" sz="2400" b="0" i="0" dirty="0">
                 <a:effectLst/>
                 <a:latin typeface="Calibri" panose="020F0502020204030204" pitchFamily="34" charset="0"/>
                 <a:ea typeface="Roboto" panose="02000000000000000000" pitchFamily="2" charset="0"/>
@@ -9612,40 +9792,6 @@
               </a:rPr>
               <a:t>Demonstrate the effectiveness of the SAV-D architecture in addressing DDoS reflection amplification attacks.</a:t>
             </a:r>
-          </a:p>
-          <a:p>
-            <a:pPr marL="742950" lvl="1" indent="-285750">
-              <a:buFont typeface="Arial" panose="020B0604020202020204" pitchFamily="34" charset="0"/>
-              <a:buChar char="•"/>
-            </a:pPr>
-            <a:endParaRPr lang="en-US" altLang="zh-CN" b="0" i="0" dirty="0">
-              <a:effectLst/>
-              <a:latin typeface="Calibri" panose="020F0502020204030204" pitchFamily="34" charset="0"/>
-              <a:ea typeface="Roboto" panose="02000000000000000000" pitchFamily="2" charset="0"/>
-              <a:cs typeface="Calibri" panose="020F0502020204030204" pitchFamily="34" charset="0"/>
-            </a:endParaRPr>
-          </a:p>
-          <a:p>
-            <a:pPr marL="742950" lvl="1" indent="-285750">
-              <a:buFont typeface="Arial" panose="020B0604020202020204" pitchFamily="34" charset="0"/>
-              <a:buChar char="•"/>
-            </a:pPr>
-            <a:endParaRPr lang="en-US" altLang="zh-CN" b="0" i="0" dirty="0">
-              <a:effectLst/>
-              <a:latin typeface="Calibri" panose="020F0502020204030204" pitchFamily="34" charset="0"/>
-              <a:ea typeface="Roboto" panose="02000000000000000000" pitchFamily="2" charset="0"/>
-              <a:cs typeface="Calibri" panose="020F0502020204030204" pitchFamily="34" charset="0"/>
-            </a:endParaRPr>
-          </a:p>
-          <a:p>
-            <a:pPr marL="742950" lvl="1" indent="-285750">
-              <a:buFont typeface="Arial" panose="020B0604020202020204" pitchFamily="34" charset="0"/>
-              <a:buChar char="•"/>
-            </a:pPr>
-            <a:endParaRPr lang="zh-CN" altLang="en-US" dirty="0">
-              <a:latin typeface="Calibri" panose="020F0502020204030204" pitchFamily="34" charset="0"/>
-              <a:cs typeface="Calibri" panose="020F0502020204030204" pitchFamily="34" charset="0"/>
-            </a:endParaRPr>
           </a:p>
         </p:txBody>
       </p:sp>
@@ -12045,8 +12191,8 @@
         </p:nvSpPr>
         <p:spPr>
           <a:xfrm>
-            <a:off x="667669" y="5086771"/>
-            <a:ext cx="1107008" cy="230832"/>
+            <a:off x="290039" y="5052858"/>
+            <a:ext cx="1328269" cy="461665"/>
           </a:xfrm>
           <a:prstGeom prst="rect">
             <a:avLst/>
@@ -12060,14 +12206,14 @@
           <a:lstStyle/>
           <a:p>
             <a:r>
-              <a:rPr lang="en-US" altLang="zh-CN" sz="900" dirty="0">
+              <a:rPr lang="en-US" altLang="zh-CN" sz="2400" dirty="0">
                 <a:latin typeface="Calibri" panose="020F0502020204030204" pitchFamily="34" charset="0"/>
                 <a:ea typeface="Roboto" panose="02000000000000000000" pitchFamily="2" charset="0"/>
                 <a:cs typeface="Calibri" panose="020F0502020204030204" pitchFamily="34" charset="0"/>
               </a:rPr>
               <a:t>Attacker</a:t>
             </a:r>
-            <a:endParaRPr lang="zh-CN" altLang="en-US" sz="900" dirty="0">
+            <a:endParaRPr lang="zh-CN" altLang="en-US" sz="2400" dirty="0">
               <a:latin typeface="Calibri" panose="020F0502020204030204" pitchFamily="34" charset="0"/>
               <a:cs typeface="Calibri" panose="020F0502020204030204" pitchFamily="34" charset="0"/>
             </a:endParaRPr>
@@ -12088,8 +12234,8 @@
         </p:nvSpPr>
         <p:spPr>
           <a:xfrm>
-            <a:off x="1987638" y="5944289"/>
-            <a:ext cx="1717210" cy="230832"/>
+            <a:off x="1460635" y="5885150"/>
+            <a:ext cx="2249674" cy="461665"/>
           </a:xfrm>
           <a:prstGeom prst="rect">
             <a:avLst/>
@@ -12103,14 +12249,14 @@
           <a:lstStyle/>
           <a:p>
             <a:r>
-              <a:rPr lang="zh-CN" altLang="en-US" sz="900" dirty="0">
+              <a:rPr lang="zh-CN" altLang="en-US" sz="2400" dirty="0">
                 <a:latin typeface="Calibri" panose="020F0502020204030204" pitchFamily="34" charset="0"/>
                 <a:cs typeface="Calibri" panose="020F0502020204030204" pitchFamily="34" charset="0"/>
               </a:rPr>
               <a:t>Zombie </a:t>
             </a:r>
             <a:r>
-              <a:rPr lang="en-US" altLang="zh-CN" sz="900" dirty="0">
+              <a:rPr lang="en-US" altLang="zh-CN" sz="2400" dirty="0">
                 <a:latin typeface="Calibri" panose="020F0502020204030204" pitchFamily="34" charset="0"/>
                 <a:ea typeface="Roboto" panose="02000000000000000000" pitchFamily="2" charset="0"/>
                 <a:cs typeface="Calibri" panose="020F0502020204030204" pitchFamily="34" charset="0"/>
@@ -12118,7 +12264,7 @@
               <a:t>H</a:t>
             </a:r>
             <a:r>
-              <a:rPr lang="zh-CN" altLang="en-US" sz="900" dirty="0">
+              <a:rPr lang="zh-CN" altLang="en-US" sz="2400" dirty="0">
                 <a:latin typeface="Calibri" panose="020F0502020204030204" pitchFamily="34" charset="0"/>
                 <a:cs typeface="Calibri" panose="020F0502020204030204" pitchFamily="34" charset="0"/>
               </a:rPr>
@@ -12141,8 +12287,8 @@
         </p:nvSpPr>
         <p:spPr>
           <a:xfrm>
-            <a:off x="1987638" y="2468138"/>
-            <a:ext cx="1717210" cy="230832"/>
+            <a:off x="1314957" y="2390493"/>
+            <a:ext cx="2086540" cy="461665"/>
           </a:xfrm>
           <a:prstGeom prst="rect">
             <a:avLst/>
@@ -12156,14 +12302,14 @@
           <a:lstStyle/>
           <a:p>
             <a:r>
-              <a:rPr lang="zh-CN" altLang="en-US" sz="900" dirty="0">
+              <a:rPr lang="zh-CN" altLang="en-US" sz="2400" dirty="0">
                 <a:latin typeface="Calibri" panose="020F0502020204030204" pitchFamily="34" charset="0"/>
                 <a:cs typeface="Calibri" panose="020F0502020204030204" pitchFamily="34" charset="0"/>
               </a:rPr>
               <a:t>Zombie </a:t>
             </a:r>
             <a:r>
-              <a:rPr lang="en-US" altLang="zh-CN" sz="900">
+              <a:rPr lang="en-US" altLang="zh-CN" sz="2400" dirty="0">
                 <a:latin typeface="Calibri" panose="020F0502020204030204" pitchFamily="34" charset="0"/>
                 <a:ea typeface="Roboto" panose="02000000000000000000" pitchFamily="2" charset="0"/>
                 <a:cs typeface="Calibri" panose="020F0502020204030204" pitchFamily="34" charset="0"/>
@@ -12171,16 +12317,12 @@
               <a:t>H</a:t>
             </a:r>
             <a:r>
-              <a:rPr lang="zh-CN" altLang="en-US" sz="900">
+              <a:rPr lang="zh-CN" altLang="en-US" sz="2400" dirty="0">
                 <a:latin typeface="Calibri" panose="020F0502020204030204" pitchFamily="34" charset="0"/>
                 <a:cs typeface="Calibri" panose="020F0502020204030204" pitchFamily="34" charset="0"/>
               </a:rPr>
               <a:t>ost</a:t>
             </a:r>
-            <a:endParaRPr lang="zh-CN" altLang="en-US" sz="900" dirty="0">
-              <a:latin typeface="Calibri" panose="020F0502020204030204" pitchFamily="34" charset="0"/>
-              <a:cs typeface="Calibri" panose="020F0502020204030204" pitchFamily="34" charset="0"/>
-            </a:endParaRPr>
           </a:p>
         </p:txBody>
       </p:sp>
@@ -12198,8 +12340,8 @@
         </p:nvSpPr>
         <p:spPr>
           <a:xfrm>
-            <a:off x="5888077" y="5096148"/>
-            <a:ext cx="1327547" cy="230832"/>
+            <a:off x="5402052" y="5082221"/>
+            <a:ext cx="1846779" cy="461665"/>
           </a:xfrm>
           <a:prstGeom prst="rect">
             <a:avLst/>
@@ -12213,14 +12355,14 @@
           <a:lstStyle/>
           <a:p>
             <a:r>
-              <a:rPr lang="zh-CN" altLang="en-US" sz="900" dirty="0">
+              <a:rPr lang="zh-CN" altLang="en-US" sz="2400" dirty="0">
                 <a:latin typeface="Calibri" panose="020F0502020204030204" pitchFamily="34" charset="0"/>
                 <a:cs typeface="Calibri" panose="020F0502020204030204" pitchFamily="34" charset="0"/>
               </a:rPr>
               <a:t>DNS </a:t>
             </a:r>
             <a:r>
-              <a:rPr lang="en-US" altLang="zh-CN" sz="900" dirty="0">
+              <a:rPr lang="en-US" altLang="zh-CN" sz="2400" dirty="0">
                 <a:latin typeface="Calibri" panose="020F0502020204030204" pitchFamily="34" charset="0"/>
                 <a:ea typeface="Roboto" panose="02000000000000000000" pitchFamily="2" charset="0"/>
                 <a:cs typeface="Calibri" panose="020F0502020204030204" pitchFamily="34" charset="0"/>
@@ -12228,7 +12370,7 @@
               <a:t>S</a:t>
             </a:r>
             <a:r>
-              <a:rPr lang="zh-CN" altLang="en-US" sz="900" dirty="0">
+              <a:rPr lang="zh-CN" altLang="en-US" sz="2400" dirty="0">
                 <a:latin typeface="Calibri" panose="020F0502020204030204" pitchFamily="34" charset="0"/>
                 <a:cs typeface="Calibri" panose="020F0502020204030204" pitchFamily="34" charset="0"/>
               </a:rPr>
@@ -12251,8 +12393,8 @@
         </p:nvSpPr>
         <p:spPr>
           <a:xfrm>
-            <a:off x="7902272" y="5096148"/>
-            <a:ext cx="820850" cy="230832"/>
+            <a:off x="7665670" y="5096148"/>
+            <a:ext cx="1057452" cy="461665"/>
           </a:xfrm>
           <a:prstGeom prst="rect">
             <a:avLst/>
@@ -12266,7 +12408,7 @@
           <a:lstStyle/>
           <a:p>
             <a:r>
-              <a:rPr lang="en-US" altLang="zh-CN" sz="900" dirty="0">
+              <a:rPr lang="en-US" altLang="zh-CN" sz="2400" dirty="0">
                 <a:latin typeface="Calibri" panose="020F0502020204030204" pitchFamily="34" charset="0"/>
                 <a:ea typeface="Roboto" panose="02000000000000000000" pitchFamily="2" charset="0"/>
                 <a:cs typeface="Calibri" panose="020F0502020204030204" pitchFamily="34" charset="0"/>
@@ -12274,7 +12416,7 @@
               <a:t>V</a:t>
             </a:r>
             <a:r>
-              <a:rPr lang="zh-CN" altLang="en-US" sz="900" dirty="0">
+              <a:rPr lang="zh-CN" altLang="en-US" sz="2400" dirty="0">
                 <a:latin typeface="Calibri" panose="020F0502020204030204" pitchFamily="34" charset="0"/>
                 <a:cs typeface="Calibri" panose="020F0502020204030204" pitchFamily="34" charset="0"/>
               </a:rPr>
@@ -12944,6 +13086,180 @@
           </a:fontRef>
         </p:style>
       </p:cxnSp>
+      <p:sp>
+        <p:nvSpPr>
+          <p:cNvPr id="3" name="文本框 2">
+            <a:extLst>
+              <a:ext uri="{FF2B5EF4-FFF2-40B4-BE49-F238E27FC236}">
+                <a16:creationId xmlns:a16="http://schemas.microsoft.com/office/drawing/2014/main" id="{F5E7DBF6-A601-41D6-A76F-95FF387385E5}"/>
+              </a:ext>
+            </a:extLst>
+          </p:cNvPr>
+          <p:cNvSpPr txBox="1"/>
+          <p:nvPr/>
+        </p:nvSpPr>
+        <p:spPr>
+          <a:xfrm>
+            <a:off x="4314316" y="2071179"/>
+            <a:ext cx="306494" cy="369332"/>
+          </a:xfrm>
+          <a:prstGeom prst="rect">
+            <a:avLst/>
+          </a:prstGeom>
+          <a:noFill/>
+        </p:spPr>
+        <p:txBody>
+          <a:bodyPr wrap="none" rtlCol="0">
+            <a:spAutoFit/>
+          </a:bodyPr>
+          <a:lstStyle/>
+          <a:p>
+            <a:r>
+              <a:rPr lang="en-US" altLang="zh-CN" dirty="0"/>
+              <a:t>1</a:t>
+            </a:r>
+            <a:endParaRPr lang="zh-CN" altLang="en-US" dirty="0"/>
+          </a:p>
+        </p:txBody>
+      </p:sp>
+      <p:sp>
+        <p:nvSpPr>
+          <p:cNvPr id="41" name="文本框 40">
+            <a:extLst>
+              <a:ext uri="{FF2B5EF4-FFF2-40B4-BE49-F238E27FC236}">
+                <a16:creationId xmlns:a16="http://schemas.microsoft.com/office/drawing/2014/main" id="{F56925D5-A6B7-4D66-9F77-DF18410C5F1C}"/>
+              </a:ext>
+            </a:extLst>
+          </p:cNvPr>
+          <p:cNvSpPr txBox="1"/>
+          <p:nvPr/>
+        </p:nvSpPr>
+        <p:spPr>
+          <a:xfrm>
+            <a:off x="3026325" y="1561548"/>
+            <a:ext cx="306494" cy="369332"/>
+          </a:xfrm>
+          <a:prstGeom prst="rect">
+            <a:avLst/>
+          </a:prstGeom>
+          <a:noFill/>
+        </p:spPr>
+        <p:txBody>
+          <a:bodyPr wrap="none" rtlCol="0">
+            <a:spAutoFit/>
+          </a:bodyPr>
+          <a:lstStyle/>
+          <a:p>
+            <a:r>
+              <a:rPr lang="en-US" altLang="zh-CN" dirty="0"/>
+              <a:t>2</a:t>
+            </a:r>
+            <a:endParaRPr lang="zh-CN" altLang="en-US" dirty="0"/>
+          </a:p>
+        </p:txBody>
+      </p:sp>
+      <p:sp>
+        <p:nvSpPr>
+          <p:cNvPr id="5" name="文本框 4">
+            <a:extLst>
+              <a:ext uri="{FF2B5EF4-FFF2-40B4-BE49-F238E27FC236}">
+                <a16:creationId xmlns:a16="http://schemas.microsoft.com/office/drawing/2014/main" id="{42776502-C7E1-4553-AF07-B99B49F3598B}"/>
+              </a:ext>
+            </a:extLst>
+          </p:cNvPr>
+          <p:cNvSpPr txBox="1"/>
+          <p:nvPr/>
+        </p:nvSpPr>
+        <p:spPr>
+          <a:xfrm>
+            <a:off x="3644928" y="3269018"/>
+            <a:ext cx="415502" cy="369332"/>
+          </a:xfrm>
+          <a:prstGeom prst="rect">
+            <a:avLst/>
+          </a:prstGeom>
+          <a:noFill/>
+        </p:spPr>
+        <p:txBody>
+          <a:bodyPr wrap="square" rtlCol="0">
+            <a:spAutoFit/>
+          </a:bodyPr>
+          <a:lstStyle/>
+          <a:p>
+            <a:r>
+              <a:rPr lang="en-US" altLang="zh-CN" dirty="0"/>
+              <a:t>4</a:t>
+            </a:r>
+            <a:endParaRPr lang="zh-CN" altLang="en-US" dirty="0"/>
+          </a:p>
+        </p:txBody>
+      </p:sp>
+      <p:pic>
+        <p:nvPicPr>
+          <p:cNvPr id="6" name="图片 5">
+            <a:extLst>
+              <a:ext uri="{FF2B5EF4-FFF2-40B4-BE49-F238E27FC236}">
+                <a16:creationId xmlns:a16="http://schemas.microsoft.com/office/drawing/2014/main" id="{C3698AF7-3666-4EAA-8972-AB78A18DBEBD}"/>
+              </a:ext>
+            </a:extLst>
+          </p:cNvPr>
+          <p:cNvPicPr>
+            <a:picLocks noChangeAspect="1"/>
+          </p:cNvPicPr>
+          <p:nvPr/>
+        </p:nvPicPr>
+        <p:blipFill>
+          <a:blip r:embed="rId9"/>
+          <a:stretch>
+            <a:fillRect/>
+          </a:stretch>
+        </p:blipFill>
+        <p:spPr>
+          <a:xfrm>
+            <a:off x="3042820" y="1911441"/>
+            <a:ext cx="292633" cy="292633"/>
+          </a:xfrm>
+          <a:prstGeom prst="rect">
+            <a:avLst/>
+          </a:prstGeom>
+        </p:spPr>
+      </p:pic>
+      <p:sp>
+        <p:nvSpPr>
+          <p:cNvPr id="45" name="文本框 44">
+            <a:extLst>
+              <a:ext uri="{FF2B5EF4-FFF2-40B4-BE49-F238E27FC236}">
+                <a16:creationId xmlns:a16="http://schemas.microsoft.com/office/drawing/2014/main" id="{E2E40A97-D8F3-4B66-9D52-B0A77BEC6E0B}"/>
+              </a:ext>
+            </a:extLst>
+          </p:cNvPr>
+          <p:cNvSpPr txBox="1"/>
+          <p:nvPr/>
+        </p:nvSpPr>
+        <p:spPr>
+          <a:xfrm>
+            <a:off x="4424558" y="4058790"/>
+            <a:ext cx="306494" cy="369332"/>
+          </a:xfrm>
+          <a:prstGeom prst="rect">
+            <a:avLst/>
+          </a:prstGeom>
+          <a:noFill/>
+        </p:spPr>
+        <p:txBody>
+          <a:bodyPr wrap="none" rtlCol="0">
+            <a:spAutoFit/>
+          </a:bodyPr>
+          <a:lstStyle/>
+          <a:p>
+            <a:r>
+              <a:rPr lang="en-US" altLang="zh-CN" dirty="0"/>
+              <a:t>3</a:t>
+            </a:r>
+            <a:endParaRPr lang="zh-CN" altLang="en-US" dirty="0"/>
+          </a:p>
+        </p:txBody>
+      </p:sp>
     </p:spTree>
     <p:extLst>
       <p:ext uri="{BB962C8B-B14F-4D97-AF65-F5344CB8AC3E}">
@@ -13273,15 +13589,68 @@
                                   </p:childTnLst>
                                 </p:cTn>
                               </p:par>
+                            </p:childTnLst>
+                          </p:cTn>
+                        </p:par>
+                      </p:childTnLst>
+                    </p:cTn>
+                  </p:par>
+                  <p:par>
+                    <p:cTn id="32" fill="hold">
+                      <p:stCondLst>
+                        <p:cond delay="indefinite"/>
+                      </p:stCondLst>
+                      <p:childTnLst>
+                        <p:par>
+                          <p:cTn id="33" fill="hold">
+                            <p:stCondLst>
+                              <p:cond delay="0"/>
+                            </p:stCondLst>
+                            <p:childTnLst>
                               <p:par>
-                                <p:cTn id="32" presetID="10" presetClass="entr" presetSubtype="0" fill="hold" nodeType="withEffect">
+                                <p:cTn id="34" presetID="10" presetClass="entr" presetSubtype="0" fill="hold" grpId="0" nodeType="clickEffect">
                                   <p:stCondLst>
                                     <p:cond delay="0"/>
                                   </p:stCondLst>
                                   <p:childTnLst>
                                     <p:set>
                                       <p:cBhvr>
-                                        <p:cTn id="33" dur="1" fill="hold">
+                                        <p:cTn id="35" dur="1" fill="hold">
+                                          <p:stCondLst>
+                                            <p:cond delay="0"/>
+                                          </p:stCondLst>
+                                        </p:cTn>
+                                        <p:tgtEl>
+                                          <p:spTgt spid="3"/>
+                                        </p:tgtEl>
+                                        <p:attrNameLst>
+                                          <p:attrName>style.visibility</p:attrName>
+                                        </p:attrNameLst>
+                                      </p:cBhvr>
+                                      <p:to>
+                                        <p:strVal val="visible"/>
+                                      </p:to>
+                                    </p:set>
+                                    <p:animEffect transition="in" filter="fade">
+                                      <p:cBhvr>
+                                        <p:cTn id="36" dur="500"/>
+                                        <p:tgtEl>
+                                          <p:spTgt spid="3"/>
+                                        </p:tgtEl>
+                                      </p:cBhvr>
+                                    </p:animEffect>
+                                  </p:childTnLst>
+                                </p:cTn>
+                              </p:par>
+                              <p:par>
+                                <p:cTn id="37" presetID="10" presetClass="entr" presetSubtype="0" fill="hold" nodeType="withEffect">
+                                  <p:stCondLst>
+                                    <p:cond delay="0"/>
+                                  </p:stCondLst>
+                                  <p:childTnLst>
+                                    <p:set>
+                                      <p:cBhvr>
+                                        <p:cTn id="38" dur="1" fill="hold">
                                           <p:stCondLst>
                                             <p:cond delay="0"/>
                                           </p:stCondLst>
@@ -13299,7 +13668,7 @@
                                     </p:set>
                                     <p:animEffect transition="in" filter="fade">
                                       <p:cBhvr>
-                                        <p:cTn id="34" dur="500"/>
+                                        <p:cTn id="39" dur="500"/>
                                         <p:tgtEl>
                                           <p:spTgt spid="16"/>
                                         </p:tgtEl>
@@ -13315,26 +13684,185 @@
                     </p:cTn>
                   </p:par>
                   <p:par>
-                    <p:cTn id="35" fill="hold">
+                    <p:cTn id="40" fill="hold">
                       <p:stCondLst>
                         <p:cond delay="indefinite"/>
                       </p:stCondLst>
                       <p:childTnLst>
                         <p:par>
-                          <p:cTn id="36" fill="hold">
+                          <p:cTn id="41" fill="hold">
                             <p:stCondLst>
                               <p:cond delay="0"/>
                             </p:stCondLst>
                             <p:childTnLst>
                               <p:par>
-                                <p:cTn id="37" presetID="10" presetClass="entr" presetSubtype="0" fill="hold" nodeType="clickEffect">
+                                <p:cTn id="42" presetID="10" presetClass="entr" presetSubtype="0" fill="hold" grpId="0" nodeType="clickEffect">
                                   <p:stCondLst>
                                     <p:cond delay="0"/>
                                   </p:stCondLst>
                                   <p:childTnLst>
                                     <p:set>
                                       <p:cBhvr>
-                                        <p:cTn id="38" dur="1" fill="hold">
+                                        <p:cTn id="43" dur="1" fill="hold">
+                                          <p:stCondLst>
+                                            <p:cond delay="0"/>
+                                          </p:stCondLst>
+                                        </p:cTn>
+                                        <p:tgtEl>
+                                          <p:spTgt spid="41"/>
+                                        </p:tgtEl>
+                                        <p:attrNameLst>
+                                          <p:attrName>style.visibility</p:attrName>
+                                        </p:attrNameLst>
+                                      </p:cBhvr>
+                                      <p:to>
+                                        <p:strVal val="visible"/>
+                                      </p:to>
+                                    </p:set>
+                                    <p:animEffect transition="in" filter="fade">
+                                      <p:cBhvr>
+                                        <p:cTn id="44" dur="500"/>
+                                        <p:tgtEl>
+                                          <p:spTgt spid="41"/>
+                                        </p:tgtEl>
+                                      </p:cBhvr>
+                                    </p:animEffect>
+                                  </p:childTnLst>
+                                </p:cTn>
+                              </p:par>
+                            </p:childTnLst>
+                          </p:cTn>
+                        </p:par>
+                      </p:childTnLst>
+                    </p:cTn>
+                  </p:par>
+                  <p:par>
+                    <p:cTn id="45" fill="hold">
+                      <p:stCondLst>
+                        <p:cond delay="indefinite"/>
+                      </p:stCondLst>
+                      <p:childTnLst>
+                        <p:par>
+                          <p:cTn id="46" fill="hold">
+                            <p:stCondLst>
+                              <p:cond delay="0"/>
+                            </p:stCondLst>
+                            <p:childTnLst>
+                              <p:par>
+                                <p:cTn id="47" presetID="10" presetClass="entr" presetSubtype="0" fill="hold" nodeType="clickEffect">
+                                  <p:stCondLst>
+                                    <p:cond delay="0"/>
+                                  </p:stCondLst>
+                                  <p:childTnLst>
+                                    <p:set>
+                                      <p:cBhvr>
+                                        <p:cTn id="48" dur="1" fill="hold">
+                                          <p:stCondLst>
+                                            <p:cond delay="0"/>
+                                          </p:stCondLst>
+                                        </p:cTn>
+                                        <p:tgtEl>
+                                          <p:spTgt spid="6"/>
+                                        </p:tgtEl>
+                                        <p:attrNameLst>
+                                          <p:attrName>style.visibility</p:attrName>
+                                        </p:attrNameLst>
+                                      </p:cBhvr>
+                                      <p:to>
+                                        <p:strVal val="visible"/>
+                                      </p:to>
+                                    </p:set>
+                                    <p:animEffect transition="in" filter="fade">
+                                      <p:cBhvr>
+                                        <p:cTn id="49" dur="500"/>
+                                        <p:tgtEl>
+                                          <p:spTgt spid="6"/>
+                                        </p:tgtEl>
+                                      </p:cBhvr>
+                                    </p:animEffect>
+                                  </p:childTnLst>
+                                </p:cTn>
+                              </p:par>
+                            </p:childTnLst>
+                          </p:cTn>
+                        </p:par>
+                      </p:childTnLst>
+                    </p:cTn>
+                  </p:par>
+                  <p:par>
+                    <p:cTn id="50" fill="hold">
+                      <p:stCondLst>
+                        <p:cond delay="indefinite"/>
+                      </p:stCondLst>
+                      <p:childTnLst>
+                        <p:par>
+                          <p:cTn id="51" fill="hold">
+                            <p:stCondLst>
+                              <p:cond delay="0"/>
+                            </p:stCondLst>
+                            <p:childTnLst>
+                              <p:par>
+                                <p:cTn id="52" presetID="10" presetClass="exit" presetSubtype="0" fill="hold" grpId="1" nodeType="clickEffect">
+                                  <p:stCondLst>
+                                    <p:cond delay="0"/>
+                                  </p:stCondLst>
+                                  <p:childTnLst>
+                                    <p:animEffect transition="out" filter="fade">
+                                      <p:cBhvr>
+                                        <p:cTn id="53" dur="500"/>
+                                        <p:tgtEl>
+                                          <p:spTgt spid="32"/>
+                                        </p:tgtEl>
+                                      </p:cBhvr>
+                                    </p:animEffect>
+                                    <p:set>
+                                      <p:cBhvr>
+                                        <p:cTn id="54" dur="1" fill="hold">
+                                          <p:stCondLst>
+                                            <p:cond delay="499"/>
+                                          </p:stCondLst>
+                                        </p:cTn>
+                                        <p:tgtEl>
+                                          <p:spTgt spid="32"/>
+                                        </p:tgtEl>
+                                        <p:attrNameLst>
+                                          <p:attrName>style.visibility</p:attrName>
+                                        </p:attrNameLst>
+                                      </p:cBhvr>
+                                      <p:to>
+                                        <p:strVal val="hidden"/>
+                                      </p:to>
+                                    </p:set>
+                                  </p:childTnLst>
+                                </p:cTn>
+                              </p:par>
+                            </p:childTnLst>
+                          </p:cTn>
+                        </p:par>
+                      </p:childTnLst>
+                    </p:cTn>
+                  </p:par>
+                  <p:par>
+                    <p:cTn id="55" fill="hold">
+                      <p:stCondLst>
+                        <p:cond delay="indefinite"/>
+                      </p:stCondLst>
+                      <p:childTnLst>
+                        <p:par>
+                          <p:cTn id="56" fill="hold">
+                            <p:stCondLst>
+                              <p:cond delay="0"/>
+                            </p:stCondLst>
+                            <p:childTnLst>
+                              <p:par>
+                                <p:cTn id="57" presetID="10" presetClass="entr" presetSubtype="0" fill="hold" nodeType="clickEffect">
+                                  <p:stCondLst>
+                                    <p:cond delay="0"/>
+                                  </p:stCondLst>
+                                  <p:childTnLst>
+                                    <p:set>
+                                      <p:cBhvr>
+                                        <p:cTn id="58" dur="1" fill="hold">
                                           <p:stCondLst>
                                             <p:cond delay="0"/>
                                           </p:stCondLst>
@@ -13352,7 +13880,7 @@
                                     </p:set>
                                     <p:animEffect transition="in" filter="fade">
                                       <p:cBhvr>
-                                        <p:cTn id="39" dur="500"/>
+                                        <p:cTn id="59" dur="500"/>
                                         <p:tgtEl>
                                           <p:spTgt spid="18"/>
                                         </p:tgtEl>
@@ -13362,14 +13890,14 @@
                                 </p:cTn>
                               </p:par>
                               <p:par>
-                                <p:cTn id="40" presetID="10" presetClass="entr" presetSubtype="0" fill="hold" grpId="0" nodeType="withEffect">
+                                <p:cTn id="60" presetID="10" presetClass="entr" presetSubtype="0" fill="hold" grpId="0" nodeType="withEffect">
                                   <p:stCondLst>
                                     <p:cond delay="0"/>
                                   </p:stCondLst>
                                   <p:childTnLst>
                                     <p:set>
                                       <p:cBhvr>
-                                        <p:cTn id="41" dur="1" fill="hold">
+                                        <p:cTn id="61" dur="1" fill="hold">
                                           <p:stCondLst>
                                             <p:cond delay="0"/>
                                           </p:stCondLst>
@@ -13387,7 +13915,7 @@
                                     </p:set>
                                     <p:animEffect transition="in" filter="fade">
                                       <p:cBhvr>
-                                        <p:cTn id="42" dur="500"/>
+                                        <p:cTn id="62" dur="500"/>
                                         <p:tgtEl>
                                           <p:spTgt spid="36"/>
                                         </p:tgtEl>
@@ -13403,26 +13931,79 @@
                     </p:cTn>
                   </p:par>
                   <p:par>
-                    <p:cTn id="43" fill="hold">
+                    <p:cTn id="63" fill="hold">
                       <p:stCondLst>
                         <p:cond delay="indefinite"/>
                       </p:stCondLst>
                       <p:childTnLst>
                         <p:par>
-                          <p:cTn id="44" fill="hold">
+                          <p:cTn id="64" fill="hold">
                             <p:stCondLst>
                               <p:cond delay="0"/>
                             </p:stCondLst>
                             <p:childTnLst>
                               <p:par>
-                                <p:cTn id="45" presetID="10" presetClass="entr" presetSubtype="0" fill="hold" grpId="0" nodeType="clickEffect">
+                                <p:cTn id="65" presetID="10" presetClass="entr" presetSubtype="0" fill="hold" grpId="0" nodeType="clickEffect">
                                   <p:stCondLst>
                                     <p:cond delay="0"/>
                                   </p:stCondLst>
                                   <p:childTnLst>
                                     <p:set>
                                       <p:cBhvr>
-                                        <p:cTn id="46" dur="1" fill="hold">
+                                        <p:cTn id="66" dur="1" fill="hold">
+                                          <p:stCondLst>
+                                            <p:cond delay="0"/>
+                                          </p:stCondLst>
+                                        </p:cTn>
+                                        <p:tgtEl>
+                                          <p:spTgt spid="45"/>
+                                        </p:tgtEl>
+                                        <p:attrNameLst>
+                                          <p:attrName>style.visibility</p:attrName>
+                                        </p:attrNameLst>
+                                      </p:cBhvr>
+                                      <p:to>
+                                        <p:strVal val="visible"/>
+                                      </p:to>
+                                    </p:set>
+                                    <p:animEffect transition="in" filter="fade">
+                                      <p:cBhvr>
+                                        <p:cTn id="67" dur="500"/>
+                                        <p:tgtEl>
+                                          <p:spTgt spid="45"/>
+                                        </p:tgtEl>
+                                      </p:cBhvr>
+                                    </p:animEffect>
+                                  </p:childTnLst>
+                                </p:cTn>
+                              </p:par>
+                            </p:childTnLst>
+                          </p:cTn>
+                        </p:par>
+                      </p:childTnLst>
+                    </p:cTn>
+                  </p:par>
+                  <p:par>
+                    <p:cTn id="68" fill="hold">
+                      <p:stCondLst>
+                        <p:cond delay="indefinite"/>
+                      </p:stCondLst>
+                      <p:childTnLst>
+                        <p:par>
+                          <p:cTn id="69" fill="hold">
+                            <p:stCondLst>
+                              <p:cond delay="0"/>
+                            </p:stCondLst>
+                            <p:childTnLst>
+                              <p:par>
+                                <p:cTn id="70" presetID="10" presetClass="entr" presetSubtype="0" fill="hold" grpId="0" nodeType="clickEffect">
+                                  <p:stCondLst>
+                                    <p:cond delay="0"/>
+                                  </p:stCondLst>
+                                  <p:childTnLst>
+                                    <p:set>
+                                      <p:cBhvr>
+                                        <p:cTn id="71" dur="1" fill="hold">
                                           <p:stCondLst>
                                             <p:cond delay="0"/>
                                           </p:stCondLst>
@@ -13440,7 +14021,7 @@
                                     </p:set>
                                     <p:animEffect transition="in" filter="fade">
                                       <p:cBhvr>
-                                        <p:cTn id="47" dur="500"/>
+                                        <p:cTn id="72" dur="500"/>
                                         <p:tgtEl>
                                           <p:spTgt spid="34"/>
                                         </p:tgtEl>
@@ -13456,26 +14037,79 @@
                     </p:cTn>
                   </p:par>
                   <p:par>
-                    <p:cTn id="48" fill="hold">
+                    <p:cTn id="73" fill="hold">
                       <p:stCondLst>
                         <p:cond delay="indefinite"/>
                       </p:stCondLst>
                       <p:childTnLst>
                         <p:par>
-                          <p:cTn id="49" fill="hold">
+                          <p:cTn id="74" fill="hold">
                             <p:stCondLst>
                               <p:cond delay="0"/>
                             </p:stCondLst>
                             <p:childTnLst>
                               <p:par>
-                                <p:cTn id="50" presetID="10" presetClass="exit" presetSubtype="0" fill="hold" nodeType="clickEffect">
+                                <p:cTn id="75" presetID="10" presetClass="entr" presetSubtype="0" fill="hold" grpId="0" nodeType="clickEffect">
+                                  <p:stCondLst>
+                                    <p:cond delay="0"/>
+                                  </p:stCondLst>
+                                  <p:childTnLst>
+                                    <p:set>
+                                      <p:cBhvr>
+                                        <p:cTn id="76" dur="1" fill="hold">
+                                          <p:stCondLst>
+                                            <p:cond delay="0"/>
+                                          </p:stCondLst>
+                                        </p:cTn>
+                                        <p:tgtEl>
+                                          <p:spTgt spid="5"/>
+                                        </p:tgtEl>
+                                        <p:attrNameLst>
+                                          <p:attrName>style.visibility</p:attrName>
+                                        </p:attrNameLst>
+                                      </p:cBhvr>
+                                      <p:to>
+                                        <p:strVal val="visible"/>
+                                      </p:to>
+                                    </p:set>
+                                    <p:animEffect transition="in" filter="fade">
+                                      <p:cBhvr>
+                                        <p:cTn id="77" dur="500"/>
+                                        <p:tgtEl>
+                                          <p:spTgt spid="5"/>
+                                        </p:tgtEl>
+                                      </p:cBhvr>
+                                    </p:animEffect>
+                                  </p:childTnLst>
+                                </p:cTn>
+                              </p:par>
+                            </p:childTnLst>
+                          </p:cTn>
+                        </p:par>
+                      </p:childTnLst>
+                    </p:cTn>
+                  </p:par>
+                  <p:par>
+                    <p:cTn id="78" fill="hold">
+                      <p:stCondLst>
+                        <p:cond delay="indefinite"/>
+                      </p:stCondLst>
+                      <p:childTnLst>
+                        <p:par>
+                          <p:cTn id="79" fill="hold">
+                            <p:stCondLst>
+                              <p:cond delay="0"/>
+                            </p:stCondLst>
+                            <p:childTnLst>
+                              <p:par>
+                                <p:cTn id="80" presetID="10" presetClass="exit" presetSubtype="0" fill="hold" nodeType="clickEffect">
                                   <p:stCondLst>
                                     <p:cond delay="0"/>
                                   </p:stCondLst>
                                   <p:childTnLst>
                                     <p:animEffect transition="out" filter="fade">
                                       <p:cBhvr>
-                                        <p:cTn id="51" dur="500"/>
+                                        <p:cTn id="81" dur="500"/>
                                         <p:tgtEl>
                                           <p:spTgt spid="39"/>
                                         </p:tgtEl>
@@ -13483,7 +14117,7 @@
                                     </p:animEffect>
                                     <p:set>
                                       <p:cBhvr>
-                                        <p:cTn id="52" dur="1" fill="hold">
+                                        <p:cTn id="82" dur="1" fill="hold">
                                           <p:stCondLst>
                                             <p:cond delay="499"/>
                                           </p:stCondLst>
@@ -13509,26 +14143,26 @@
                     </p:cTn>
                   </p:par>
                   <p:par>
-                    <p:cTn id="53" fill="hold">
+                    <p:cTn id="83" fill="hold">
                       <p:stCondLst>
                         <p:cond delay="indefinite"/>
                       </p:stCondLst>
                       <p:childTnLst>
                         <p:par>
-                          <p:cTn id="54" fill="hold">
+                          <p:cTn id="84" fill="hold">
                             <p:stCondLst>
                               <p:cond delay="0"/>
                             </p:stCondLst>
                             <p:childTnLst>
                               <p:par>
-                                <p:cTn id="55" presetID="10" presetClass="exit" presetSubtype="0" fill="hold" nodeType="clickEffect">
+                                <p:cTn id="85" presetID="10" presetClass="exit" presetSubtype="0" fill="hold" nodeType="clickEffect">
                                   <p:stCondLst>
                                     <p:cond delay="0"/>
                                   </p:stCondLst>
                                   <p:childTnLst>
                                     <p:animEffect transition="out" filter="fade">
                                       <p:cBhvr>
-                                        <p:cTn id="56" dur="500"/>
+                                        <p:cTn id="86" dur="500"/>
                                         <p:tgtEl>
                                           <p:spTgt spid="40"/>
                                         </p:tgtEl>
@@ -13536,7 +14170,7 @@
                                     </p:animEffect>
                                     <p:set>
                                       <p:cBhvr>
-                                        <p:cTn id="57" dur="1" fill="hold">
+                                        <p:cTn id="87" dur="1" fill="hold">
                                           <p:stCondLst>
                                             <p:cond delay="499"/>
                                           </p:stCondLst>
@@ -13585,9 +14219,14 @@
     <p:bldLst>
       <p:bldP spid="17" grpId="0" animBg="1"/>
       <p:bldP spid="32" grpId="0" animBg="1"/>
+      <p:bldP spid="32" grpId="1" animBg="1"/>
       <p:bldP spid="34" grpId="0" animBg="1"/>
       <p:bldP spid="35" grpId="0" animBg="1"/>
       <p:bldP spid="36" grpId="0" animBg="1"/>
+      <p:bldP spid="3" grpId="0"/>
+      <p:bldP spid="41" grpId="0"/>
+      <p:bldP spid="5" grpId="0"/>
+      <p:bldP spid="45" grpId="0"/>
     </p:bldLst>
   </p:timing>
 </p:sld>
@@ -14170,6 +14809,142 @@
           </a:p>
         </p:txBody>
       </p:sp>
+      <p:sp>
+        <p:nvSpPr>
+          <p:cNvPr id="3" name="文本框 2">
+            <a:extLst>
+              <a:ext uri="{FF2B5EF4-FFF2-40B4-BE49-F238E27FC236}">
+                <a16:creationId xmlns:a16="http://schemas.microsoft.com/office/drawing/2014/main" id="{99778592-A12C-4EF7-8F51-FB3A7ECB5C5C}"/>
+              </a:ext>
+            </a:extLst>
+          </p:cNvPr>
+          <p:cNvSpPr txBox="1"/>
+          <p:nvPr/>
+        </p:nvSpPr>
+        <p:spPr>
+          <a:xfrm>
+            <a:off x="3611645" y="2397758"/>
+            <a:ext cx="2699778" cy="369332"/>
+          </a:xfrm>
+          <a:prstGeom prst="rect">
+            <a:avLst/>
+          </a:prstGeom>
+          <a:noFill/>
+        </p:spPr>
+        <p:txBody>
+          <a:bodyPr wrap="none" rtlCol="0">
+            <a:spAutoFit/>
+          </a:bodyPr>
+          <a:lstStyle/>
+          <a:p>
+            <a:r>
+              <a:rPr lang="en-US" altLang="zh-CN" dirty="0">
+                <a:solidFill>
+                  <a:srgbClr val="C00000"/>
+                </a:solidFill>
+              </a:rPr>
+              <a:t>Amplificated attack traffic</a:t>
+            </a:r>
+            <a:endParaRPr lang="zh-CN" altLang="en-US" dirty="0">
+              <a:solidFill>
+                <a:srgbClr val="C00000"/>
+              </a:solidFill>
+            </a:endParaRPr>
+          </a:p>
+        </p:txBody>
+      </p:sp>
+      <p:sp>
+        <p:nvSpPr>
+          <p:cNvPr id="4" name="文本框 3">
+            <a:extLst>
+              <a:ext uri="{FF2B5EF4-FFF2-40B4-BE49-F238E27FC236}">
+                <a16:creationId xmlns:a16="http://schemas.microsoft.com/office/drawing/2014/main" id="{404FE8D3-60B5-4761-8167-CDB1B7D4D9D0}"/>
+              </a:ext>
+            </a:extLst>
+          </p:cNvPr>
+          <p:cNvSpPr txBox="1"/>
+          <p:nvPr/>
+        </p:nvSpPr>
+        <p:spPr>
+          <a:xfrm>
+            <a:off x="7836942" y="3687168"/>
+            <a:ext cx="2241319" cy="369332"/>
+          </a:xfrm>
+          <a:prstGeom prst="rect">
+            <a:avLst/>
+          </a:prstGeom>
+          <a:noFill/>
+        </p:spPr>
+        <p:txBody>
+          <a:bodyPr wrap="none" rtlCol="0">
+            <a:spAutoFit/>
+          </a:bodyPr>
+          <a:lstStyle/>
+          <a:p>
+            <a:r>
+              <a:rPr lang="en-US" altLang="zh-CN" dirty="0">
+                <a:solidFill>
+                  <a:schemeClr val="accent5">
+                    <a:lumMod val="50000"/>
+                  </a:schemeClr>
+                </a:solidFill>
+              </a:rPr>
+              <a:t>Original attack traffic</a:t>
+            </a:r>
+            <a:endParaRPr lang="zh-CN" altLang="en-US" dirty="0">
+              <a:solidFill>
+                <a:schemeClr val="accent5">
+                  <a:lumMod val="50000"/>
+                </a:schemeClr>
+              </a:solidFill>
+            </a:endParaRPr>
+          </a:p>
+        </p:txBody>
+      </p:sp>
+      <p:sp>
+        <p:nvSpPr>
+          <p:cNvPr id="17" name="文本框 16">
+            <a:extLst>
+              <a:ext uri="{FF2B5EF4-FFF2-40B4-BE49-F238E27FC236}">
+                <a16:creationId xmlns:a16="http://schemas.microsoft.com/office/drawing/2014/main" id="{831C2BEB-903B-49E4-BCEA-D98EEFDDF059}"/>
+              </a:ext>
+            </a:extLst>
+          </p:cNvPr>
+          <p:cNvSpPr txBox="1"/>
+          <p:nvPr/>
+        </p:nvSpPr>
+        <p:spPr>
+          <a:xfrm>
+            <a:off x="10328092" y="3687031"/>
+            <a:ext cx="1607731" cy="369332"/>
+          </a:xfrm>
+          <a:prstGeom prst="rect">
+            <a:avLst/>
+          </a:prstGeom>
+          <a:noFill/>
+        </p:spPr>
+        <p:txBody>
+          <a:bodyPr wrap="square" rtlCol="0">
+            <a:spAutoFit/>
+          </a:bodyPr>
+          <a:lstStyle/>
+          <a:p>
+            <a:r>
+              <a:rPr lang="en-US" altLang="zh-CN" dirty="0">
+                <a:solidFill>
+                  <a:schemeClr val="accent6"/>
+                </a:solidFill>
+              </a:rPr>
+              <a:t>Normal traffic</a:t>
+            </a:r>
+            <a:endParaRPr lang="zh-CN" altLang="en-US" dirty="0">
+              <a:solidFill>
+                <a:schemeClr val="accent6"/>
+              </a:solidFill>
+            </a:endParaRPr>
+          </a:p>
+        </p:txBody>
+      </p:sp>
     </p:spTree>
     <p:extLst>
       <p:ext uri="{BB962C8B-B14F-4D97-AF65-F5344CB8AC3E}">
@@ -14258,7 +15033,7 @@
         <p:spPr>
           <a:xfrm>
             <a:off x="1604247" y="1513309"/>
-            <a:ext cx="9234488" cy="646331"/>
+            <a:ext cx="9234488" cy="830997"/>
           </a:xfrm>
           <a:prstGeom prst="rect">
             <a:avLst/>
@@ -14276,14 +15051,14 @@
               <a:buChar char="l"/>
             </a:pPr>
             <a:r>
-              <a:rPr lang="en-US" altLang="zh-CN" dirty="0">
+              <a:rPr lang="en-US" altLang="zh-CN" sz="2400" dirty="0">
                 <a:latin typeface="Calibri" panose="020F0502020204030204" pitchFamily="34" charset="0"/>
                 <a:ea typeface="Roboto" panose="02000000000000000000" pitchFamily="2" charset="0"/>
                 <a:cs typeface="Calibri" panose="020F0502020204030204" pitchFamily="34" charset="0"/>
               </a:rPr>
               <a:t>SAV-D acts as a defense amplifier, and its goal is to block attack flows as close to the source as possible.</a:t>
             </a:r>
-            <a:endParaRPr lang="zh-CN" altLang="en-US" dirty="0">
+            <a:endParaRPr lang="zh-CN" altLang="en-US" sz="2400" dirty="0">
               <a:latin typeface="Calibri" panose="020F0502020204030204" pitchFamily="34" charset="0"/>
               <a:cs typeface="Calibri" panose="020F0502020204030204" pitchFamily="34" charset="0"/>
             </a:endParaRPr>
@@ -14305,7 +15080,7 @@
         <p:spPr>
           <a:xfrm>
             <a:off x="1604247" y="2505670"/>
-            <a:ext cx="9234488" cy="646331"/>
+            <a:ext cx="9234488" cy="830997"/>
           </a:xfrm>
           <a:prstGeom prst="rect">
             <a:avLst/>
@@ -14323,14 +15098,14 @@
               <a:buChar char="l"/>
             </a:pPr>
             <a:r>
-              <a:rPr lang="en-US" altLang="zh-CN" dirty="0">
+              <a:rPr lang="en-US" altLang="zh-CN" sz="2400" dirty="0">
                 <a:latin typeface="Calibri" panose="020F0502020204030204" pitchFamily="34" charset="0"/>
                 <a:ea typeface="Roboto" panose="02000000000000000000" pitchFamily="2" charset="0"/>
                 <a:cs typeface="Calibri" panose="020F0502020204030204" pitchFamily="34" charset="0"/>
               </a:rPr>
               <a:t>During incremental SAV deployment, information uploading instead of direct dropping can help collect more threaten intelligence.</a:t>
             </a:r>
-            <a:endParaRPr lang="zh-CN" altLang="en-US" dirty="0">
+            <a:endParaRPr lang="zh-CN" altLang="en-US" sz="2400" dirty="0">
               <a:latin typeface="Calibri" panose="020F0502020204030204" pitchFamily="34" charset="0"/>
               <a:cs typeface="Calibri" panose="020F0502020204030204" pitchFamily="34" charset="0"/>
             </a:endParaRPr>
@@ -14395,7 +15170,7 @@
         <p:spPr>
           <a:xfrm>
             <a:off x="1644858" y="4199531"/>
-            <a:ext cx="9193877" cy="1220462"/>
+            <a:ext cx="9193877" cy="1013804"/>
           </a:xfrm>
           <a:prstGeom prst="rect">
             <a:avLst/>
@@ -14426,33 +15201,12 @@
               <a:defRPr/>
             </a:pPr>
             <a:r>
-              <a:rPr lang="en-US" altLang="zh-CN" dirty="0">
+              <a:rPr lang="en-US" altLang="zh-CN" sz="2400" dirty="0">
                 <a:latin typeface="Calibri" panose="020F0502020204030204" pitchFamily="34" charset="0"/>
                 <a:ea typeface="Roboto" panose="02000000000000000000" pitchFamily="2" charset="0"/>
                 <a:cs typeface="Calibri" panose="020F0502020204030204" pitchFamily="34" charset="0"/>
               </a:rPr>
-              <a:t>Supplement the source of attack intelligence at the target endpoint.</a:t>
-            </a:r>
-          </a:p>
-          <a:p>
-            <a:pPr marL="1028666" lvl="1" indent="-342900" algn="just" defTabSz="914400">
-              <a:lnSpc>
-                <a:spcPct val="130000"/>
-              </a:lnSpc>
-              <a:spcBef>
-                <a:spcPts val="600"/>
-              </a:spcBef>
-              <a:buFont typeface="Wingdings" panose="05000000000000000000" pitchFamily="2" charset="2"/>
-              <a:buChar char="ü"/>
-              <a:defRPr/>
-            </a:pPr>
-            <a:r>
-              <a:rPr lang="en-US" altLang="zh-CN" dirty="0">
-                <a:latin typeface="Calibri" panose="020F0502020204030204" pitchFamily="34" charset="0"/>
-                <a:ea typeface="Roboto" panose="02000000000000000000" pitchFamily="2" charset="0"/>
-                <a:cs typeface="Calibri" panose="020F0502020204030204" pitchFamily="34" charset="0"/>
-              </a:rPr>
-              <a:t>Like design a forward mechanism on the victim's side to detect spoofed source information (SAV-Bidirectional).</a:t>
+              <a:t>This is our first time to participate in the IETF. If you are interested, you can join us, communicate with us, and further promote standards.</a:t>
             </a:r>
           </a:p>
         </p:txBody>
